--- a/Deep Learning for HealthCare.pptx
+++ b/Deep Learning for HealthCare.pptx
@@ -8,13 +8,14 @@
     <p:sldId id="256" r:id="rId2"/>
     <p:sldId id="257" r:id="rId3"/>
     <p:sldId id="258" r:id="rId4"/>
-    <p:sldId id="259" r:id="rId5"/>
-    <p:sldId id="260" r:id="rId6"/>
-    <p:sldId id="261" r:id="rId7"/>
-    <p:sldId id="262" r:id="rId8"/>
-    <p:sldId id="264" r:id="rId9"/>
-    <p:sldId id="265" r:id="rId10"/>
-    <p:sldId id="263" r:id="rId11"/>
+    <p:sldId id="260" r:id="rId5"/>
+    <p:sldId id="261" r:id="rId6"/>
+    <p:sldId id="262" r:id="rId7"/>
+    <p:sldId id="264" r:id="rId8"/>
+    <p:sldId id="265" r:id="rId9"/>
+    <p:sldId id="263" r:id="rId10"/>
+    <p:sldId id="266" r:id="rId11"/>
+    <p:sldId id="259" r:id="rId12"/>
   </p:sldIdLst>
   <p:sldSz cx="12192000" cy="6858000"/>
   <p:notesSz cx="6858000" cy="9144000"/>
@@ -113,7 +114,79 @@
       </a:defRPr>
     </a:lvl9pPr>
   </p:defaultTextStyle>
+  <p:extLst>
+    <p:ext uri="{EFAFB233-063F-42B5-8137-9DF3F51BA10A}">
+      <p15:sldGuideLst xmlns:p15="http://schemas.microsoft.com/office/powerpoint/2012/main"/>
+    </p:ext>
+  </p:extLst>
 </p:presentation>
+</file>
+
+<file path=ppt/revisionInfo.xml><?xml version="1.0" encoding="utf-8"?>
+<p1510:revInfo xmlns:a="http://schemas.openxmlformats.org/drawingml/2006/main" xmlns:r="http://schemas.openxmlformats.org/officeDocument/2006/relationships" xmlns:p1510="http://schemas.microsoft.com/office/powerpoint/2015/10/main">
+  <p1510:revLst>
+    <p1510:client id="{A6E36EAE-900D-5299-4A42-29C2CF7FD4ED}" v="318" dt="2025-05-07T06:13:24.894"/>
+  </p1510:revLst>
+</p1510:revInfo>
+</file>
+
+<file path=ppt/changesInfos/changesInfo1.xml><?xml version="1.0" encoding="utf-8"?>
+<pc:chgInfo xmlns:a="http://schemas.openxmlformats.org/drawingml/2006/main" xmlns:r="http://schemas.openxmlformats.org/officeDocument/2006/relationships" xmlns:ac="http://schemas.microsoft.com/office/drawing/2013/main/command" xmlns:pc="http://schemas.microsoft.com/office/powerpoint/2013/main/command">
+  <pc:docChgLst>
+    <pc:chgData name="Bloxham, Dayne Owen" userId="S::bloxham2@illinois.edu::d525c4a4-927b-4491-b697-df54033f4f18" providerId="AD" clId="Web-{A6E36EAE-900D-5299-4A42-29C2CF7FD4ED}"/>
+    <pc:docChg chg="addSld modSld sldOrd">
+      <pc:chgData name="Bloxham, Dayne Owen" userId="S::bloxham2@illinois.edu::d525c4a4-927b-4491-b697-df54033f4f18" providerId="AD" clId="Web-{A6E36EAE-900D-5299-4A42-29C2CF7FD4ED}" dt="2025-05-07T06:13:24.894" v="320" actId="20577"/>
+      <pc:docMkLst>
+        <pc:docMk/>
+      </pc:docMkLst>
+      <pc:sldChg chg="ord">
+        <pc:chgData name="Bloxham, Dayne Owen" userId="S::bloxham2@illinois.edu::d525c4a4-927b-4491-b697-df54033f4f18" providerId="AD" clId="Web-{A6E36EAE-900D-5299-4A42-29C2CF7FD4ED}" dt="2025-05-07T05:09:55.666" v="11"/>
+        <pc:sldMkLst>
+          <pc:docMk/>
+          <pc:sldMk cId="82295588" sldId="259"/>
+        </pc:sldMkLst>
+      </pc:sldChg>
+      <pc:sldChg chg="modSp">
+        <pc:chgData name="Bloxham, Dayne Owen" userId="S::bloxham2@illinois.edu::d525c4a4-927b-4491-b697-df54033f4f18" providerId="AD" clId="Web-{A6E36EAE-900D-5299-4A42-29C2CF7FD4ED}" dt="2025-05-07T05:17:03.447" v="255" actId="20577"/>
+        <pc:sldMkLst>
+          <pc:docMk/>
+          <pc:sldMk cId="3182125500" sldId="261"/>
+        </pc:sldMkLst>
+        <pc:spChg chg="mod">
+          <ac:chgData name="Bloxham, Dayne Owen" userId="S::bloxham2@illinois.edu::d525c4a4-927b-4491-b697-df54033f4f18" providerId="AD" clId="Web-{A6E36EAE-900D-5299-4A42-29C2CF7FD4ED}" dt="2025-05-07T05:17:03.447" v="255" actId="20577"/>
+          <ac:spMkLst>
+            <pc:docMk/>
+            <pc:sldMk cId="3182125500" sldId="261"/>
+            <ac:spMk id="3" creationId="{E0FB908D-6666-203D-5716-E2AABB758565}"/>
+          </ac:spMkLst>
+        </pc:spChg>
+      </pc:sldChg>
+      <pc:sldChg chg="modSp new">
+        <pc:chgData name="Bloxham, Dayne Owen" userId="S::bloxham2@illinois.edu::d525c4a4-927b-4491-b697-df54033f4f18" providerId="AD" clId="Web-{A6E36EAE-900D-5299-4A42-29C2CF7FD4ED}" dt="2025-05-07T06:13:24.894" v="320" actId="20577"/>
+        <pc:sldMkLst>
+          <pc:docMk/>
+          <pc:sldMk cId="1575384145" sldId="266"/>
+        </pc:sldMkLst>
+        <pc:spChg chg="mod">
+          <ac:chgData name="Bloxham, Dayne Owen" userId="S::bloxham2@illinois.edu::d525c4a4-927b-4491-b697-df54033f4f18" providerId="AD" clId="Web-{A6E36EAE-900D-5299-4A42-29C2CF7FD4ED}" dt="2025-05-07T05:12:15.801" v="41" actId="20577"/>
+          <ac:spMkLst>
+            <pc:docMk/>
+            <pc:sldMk cId="1575384145" sldId="266"/>
+            <ac:spMk id="2" creationId="{0745779E-D32E-34BF-07BD-BED4EBD8925D}"/>
+          </ac:spMkLst>
+        </pc:spChg>
+        <pc:spChg chg="mod">
+          <ac:chgData name="Bloxham, Dayne Owen" userId="S::bloxham2@illinois.edu::d525c4a4-927b-4491-b697-df54033f4f18" providerId="AD" clId="Web-{A6E36EAE-900D-5299-4A42-29C2CF7FD4ED}" dt="2025-05-07T06:13:24.894" v="320" actId="20577"/>
+          <ac:spMkLst>
+            <pc:docMk/>
+            <pc:sldMk cId="1575384145" sldId="266"/>
+            <ac:spMk id="3" creationId="{54409689-FFC5-17AC-9C71-F2DBEA771AA2}"/>
+          </ac:spMkLst>
+        </pc:spChg>
+      </pc:sldChg>
+    </pc:docChg>
+  </pc:docChgLst>
+</pc:chgInfo>
 </file>
 
 <file path=ppt/slideLayouts/slideLayout1.xml><?xml version="1.0" encoding="utf-8"?>
@@ -263,7 +336,7 @@
           <a:p>
             <a:fld id="{90E9D7E3-CC03-4BAB-8422-72A4B36EAC8E}" type="datetimeFigureOut">
               <a:rPr lang="en-US" smtClean="0"/>
-              <a:t>5/5/2025</a:t>
+              <a:t>5/6/2025</a:t>
             </a:fld>
             <a:endParaRPr lang="en-US"/>
           </a:p>
@@ -461,7 +534,7 @@
           <a:p>
             <a:fld id="{90E9D7E3-CC03-4BAB-8422-72A4B36EAC8E}" type="datetimeFigureOut">
               <a:rPr lang="en-US" smtClean="0"/>
-              <a:t>5/5/2025</a:t>
+              <a:t>5/6/2025</a:t>
             </a:fld>
             <a:endParaRPr lang="en-US"/>
           </a:p>
@@ -669,7 +742,7 @@
           <a:p>
             <a:fld id="{90E9D7E3-CC03-4BAB-8422-72A4B36EAC8E}" type="datetimeFigureOut">
               <a:rPr lang="en-US" smtClean="0"/>
-              <a:t>5/5/2025</a:t>
+              <a:t>5/6/2025</a:t>
             </a:fld>
             <a:endParaRPr lang="en-US"/>
           </a:p>
@@ -867,7 +940,7 @@
           <a:p>
             <a:fld id="{90E9D7E3-CC03-4BAB-8422-72A4B36EAC8E}" type="datetimeFigureOut">
               <a:rPr lang="en-US" smtClean="0"/>
-              <a:t>5/5/2025</a:t>
+              <a:t>5/6/2025</a:t>
             </a:fld>
             <a:endParaRPr lang="en-US"/>
           </a:p>
@@ -1142,7 +1215,7 @@
           <a:p>
             <a:fld id="{90E9D7E3-CC03-4BAB-8422-72A4B36EAC8E}" type="datetimeFigureOut">
               <a:rPr lang="en-US" smtClean="0"/>
-              <a:t>5/5/2025</a:t>
+              <a:t>5/6/2025</a:t>
             </a:fld>
             <a:endParaRPr lang="en-US"/>
           </a:p>
@@ -1407,7 +1480,7 @@
           <a:p>
             <a:fld id="{90E9D7E3-CC03-4BAB-8422-72A4B36EAC8E}" type="datetimeFigureOut">
               <a:rPr lang="en-US" smtClean="0"/>
-              <a:t>5/5/2025</a:t>
+              <a:t>5/6/2025</a:t>
             </a:fld>
             <a:endParaRPr lang="en-US"/>
           </a:p>
@@ -1819,7 +1892,7 @@
           <a:p>
             <a:fld id="{90E9D7E3-CC03-4BAB-8422-72A4B36EAC8E}" type="datetimeFigureOut">
               <a:rPr lang="en-US" smtClean="0"/>
-              <a:t>5/5/2025</a:t>
+              <a:t>5/6/2025</a:t>
             </a:fld>
             <a:endParaRPr lang="en-US"/>
           </a:p>
@@ -1960,7 +2033,7 @@
           <a:p>
             <a:fld id="{90E9D7E3-CC03-4BAB-8422-72A4B36EAC8E}" type="datetimeFigureOut">
               <a:rPr lang="en-US" smtClean="0"/>
-              <a:t>5/5/2025</a:t>
+              <a:t>5/6/2025</a:t>
             </a:fld>
             <a:endParaRPr lang="en-US"/>
           </a:p>
@@ -2073,7 +2146,7 @@
           <a:p>
             <a:fld id="{90E9D7E3-CC03-4BAB-8422-72A4B36EAC8E}" type="datetimeFigureOut">
               <a:rPr lang="en-US" smtClean="0"/>
-              <a:t>5/5/2025</a:t>
+              <a:t>5/6/2025</a:t>
             </a:fld>
             <a:endParaRPr lang="en-US"/>
           </a:p>
@@ -2384,7 +2457,7 @@
           <a:p>
             <a:fld id="{90E9D7E3-CC03-4BAB-8422-72A4B36EAC8E}" type="datetimeFigureOut">
               <a:rPr lang="en-US" smtClean="0"/>
-              <a:t>5/5/2025</a:t>
+              <a:t>5/6/2025</a:t>
             </a:fld>
             <a:endParaRPr lang="en-US"/>
           </a:p>
@@ -2672,7 +2745,7 @@
           <a:p>
             <a:fld id="{90E9D7E3-CC03-4BAB-8422-72A4B36EAC8E}" type="datetimeFigureOut">
               <a:rPr lang="en-US" smtClean="0"/>
-              <a:t>5/5/2025</a:t>
+              <a:t>5/6/2025</a:t>
             </a:fld>
             <a:endParaRPr lang="en-US"/>
           </a:p>
@@ -2913,7 +2986,7 @@
           <a:p>
             <a:fld id="{90E9D7E3-CC03-4BAB-8422-72A4B36EAC8E}" type="datetimeFigureOut">
               <a:rPr lang="en-US" smtClean="0"/>
-              <a:t>5/5/2025</a:t>
+              <a:t>5/6/2025</a:t>
             </a:fld>
             <a:endParaRPr lang="en-US"/>
           </a:p>
@@ -3435,7 +3508,7 @@
           <p:cNvPr id="2" name="Title 1">
             <a:extLst>
               <a:ext uri="{FF2B5EF4-FFF2-40B4-BE49-F238E27FC236}">
-                <a16:creationId xmlns:a16="http://schemas.microsoft.com/office/drawing/2014/main" id="{CF2A6D89-9807-8601-F141-2B84872B0906}"/>
+                <a16:creationId xmlns:a16="http://schemas.microsoft.com/office/drawing/2014/main" id="{0745779E-D32E-34BF-07BD-BED4EBD8925D}"/>
               </a:ext>
             </a:extLst>
           </p:cNvPr>
@@ -3453,7 +3526,7 @@
           <a:p>
             <a:r>
               <a:rPr lang="en-US" dirty="0"/>
-              <a:t>Improve Reproducibility</a:t>
+              <a:t>Additional Extensions</a:t>
             </a:r>
           </a:p>
         </p:txBody>
@@ -3463,7 +3536,130 @@
           <p:cNvPr id="3" name="Content Placeholder 2">
             <a:extLst>
               <a:ext uri="{FF2B5EF4-FFF2-40B4-BE49-F238E27FC236}">
-                <a16:creationId xmlns:a16="http://schemas.microsoft.com/office/drawing/2014/main" id="{9B862D0F-9C6E-C648-1802-13CE0B3871FB}"/>
+                <a16:creationId xmlns:a16="http://schemas.microsoft.com/office/drawing/2014/main" id="{54409689-FFC5-17AC-9C71-F2DBEA771AA2}"/>
+              </a:ext>
+            </a:extLst>
+          </p:cNvPr>
+          <p:cNvSpPr>
+            <a:spLocks noGrp="1"/>
+          </p:cNvSpPr>
+          <p:nvPr>
+            <p:ph idx="1"/>
+          </p:nvPr>
+        </p:nvSpPr>
+        <p:spPr/>
+        <p:txBody>
+          <a:bodyPr vert="horz" lIns="91440" tIns="45720" rIns="91440" bIns="45720" rtlCol="0" anchor="t">
+            <a:normAutofit/>
+          </a:bodyPr>
+          <a:lstStyle/>
+          <a:p>
+            <a:r>
+              <a:rPr lang="en-US" dirty="0">
+                <a:ea typeface="+mn-lt"/>
+                <a:cs typeface="+mn-lt"/>
+              </a:rPr>
+              <a:t>Fine-tune DL4H-style LLMs to generate personalized, emotionally sensitive, and literacy-matched versions of clinical summaries for patients</a:t>
+            </a:r>
+            <a:endParaRPr lang="en-US" dirty="0"/>
+          </a:p>
+          <a:p>
+            <a:pPr lvl="1">
+              <a:buFont typeface="Courier New" panose="020B0604020202020204" pitchFamily="34" charset="0"/>
+              <a:buChar char="o"/>
+            </a:pPr>
+            <a:r>
+              <a:rPr lang="en-US" dirty="0">
+                <a:ea typeface="+mn-lt"/>
+                <a:cs typeface="+mn-lt"/>
+              </a:rPr>
+              <a:t>We implemented this idea by producing "empathy summaries" using an OpenAI API key and gpt-4o, and we produced interesting results.</a:t>
+            </a:r>
+          </a:p>
+          <a:p>
+            <a:r>
+              <a:rPr lang="en-US" dirty="0">
+                <a:ea typeface="+mn-lt"/>
+                <a:cs typeface="+mn-lt"/>
+              </a:rPr>
+              <a:t>Real-Time Risk Flagging and Intervention Suggestions from Streaming Clinical Notes</a:t>
+            </a:r>
+          </a:p>
+          <a:p>
+            <a:r>
+              <a:rPr lang="en-US" dirty="0">
+                <a:ea typeface="+mn-lt"/>
+                <a:cs typeface="+mn-lt"/>
+              </a:rPr>
+              <a:t>Narrative Disparity Detection to Reduce Bias in Documentation and Care</a:t>
+            </a:r>
+          </a:p>
+        </p:txBody>
+      </p:sp>
+    </p:spTree>
+    <p:extLst>
+      <p:ext uri="{BB962C8B-B14F-4D97-AF65-F5344CB8AC3E}">
+        <p14:creationId xmlns:p14="http://schemas.microsoft.com/office/powerpoint/2010/main" val="1575384145"/>
+      </p:ext>
+    </p:extLst>
+  </p:cSld>
+  <p:clrMapOvr>
+    <a:masterClrMapping/>
+  </p:clrMapOvr>
+</p:sld>
+</file>
+
+<file path=ppt/slides/slide11.xml><?xml version="1.0" encoding="utf-8"?>
+<p:sld xmlns:a="http://schemas.openxmlformats.org/drawingml/2006/main" xmlns:r="http://schemas.openxmlformats.org/officeDocument/2006/relationships" xmlns:p="http://schemas.openxmlformats.org/presentationml/2006/main">
+  <p:cSld>
+    <p:spTree>
+      <p:nvGrpSpPr>
+        <p:cNvPr id="1" name=""/>
+        <p:cNvGrpSpPr/>
+        <p:nvPr/>
+      </p:nvGrpSpPr>
+      <p:grpSpPr>
+        <a:xfrm>
+          <a:off x="0" y="0"/>
+          <a:ext cx="0" cy="0"/>
+          <a:chOff x="0" y="0"/>
+          <a:chExt cx="0" cy="0"/>
+        </a:xfrm>
+      </p:grpSpPr>
+      <p:sp>
+        <p:nvSpPr>
+          <p:cNvPr id="2" name="Title 1">
+            <a:extLst>
+              <a:ext uri="{FF2B5EF4-FFF2-40B4-BE49-F238E27FC236}">
+                <a16:creationId xmlns:a16="http://schemas.microsoft.com/office/drawing/2014/main" id="{A211019E-2C41-1E25-ECA3-704F4C51C613}"/>
+              </a:ext>
+            </a:extLst>
+          </p:cNvPr>
+          <p:cNvSpPr>
+            <a:spLocks noGrp="1"/>
+          </p:cNvSpPr>
+          <p:nvPr>
+            <p:ph type="title"/>
+          </p:nvPr>
+        </p:nvSpPr>
+        <p:spPr/>
+        <p:txBody>
+          <a:bodyPr/>
+          <a:lstStyle/>
+          <a:p>
+            <a:r>
+              <a:rPr lang="en-US" dirty="0"/>
+              <a:t>References and Datasets</a:t>
+            </a:r>
+          </a:p>
+        </p:txBody>
+      </p:sp>
+      <p:sp>
+        <p:nvSpPr>
+          <p:cNvPr id="3" name="Content Placeholder 2">
+            <a:extLst>
+              <a:ext uri="{FF2B5EF4-FFF2-40B4-BE49-F238E27FC236}">
+                <a16:creationId xmlns:a16="http://schemas.microsoft.com/office/drawing/2014/main" id="{4FBB956C-A82C-AFBD-A734-482034475DE8}"/>
               </a:ext>
             </a:extLst>
           </p:cNvPr>
@@ -3480,38 +3676,94 @@
           <a:lstStyle/>
           <a:p>
             <a:r>
-              <a:rPr lang="en-US" dirty="0"/>
-              <a:t>Lot of amazing stuff but can improve on these …</a:t>
-            </a:r>
-          </a:p>
-          <a:p>
-            <a:pPr lvl="1"/>
-            <a:r>
-              <a:rPr lang="en-US" dirty="0"/>
-              <a:t>Annotations are most important for this project, but hard to understand and reproduce. Wish we could run the annotation tool ourselves to understand better. </a:t>
-            </a:r>
-            <a:r>
-              <a:rPr lang="en-US" dirty="0" err="1"/>
-              <a:t>Medtator</a:t>
-            </a:r>
-            <a:r>
-              <a:rPr lang="en-US" dirty="0"/>
-              <a:t> tool was missing.</a:t>
-            </a:r>
-          </a:p>
-          <a:p>
-            <a:pPr lvl="1"/>
-            <a:r>
-              <a:rPr lang="en-US" dirty="0"/>
-              <a:t>Datasets can be organized better, was very hard to find references and took a long time</a:t>
-            </a:r>
-          </a:p>
-          <a:p>
-            <a:pPr lvl="1"/>
-            <a:r>
-              <a:rPr lang="en-US" dirty="0"/>
-              <a:t>Annotator paths, some xml files and some txt files mentioned, we couldn’t find it.</a:t>
-            </a:r>
+              <a:rPr lang="en-US" b="0" i="0" dirty="0">
+                <a:solidFill>
+                  <a:srgbClr val="212529"/>
+                </a:solidFill>
+                <a:effectLst/>
+                <a:latin typeface="-apple-system"/>
+                <a:hlinkClick r:id="rId2"/>
+              </a:rPr>
+              <a:t>Medical Expert Annotations of Unsupported Facts in Doctor-Written and LLM-Generated Patient Summaries</a:t>
+            </a:r>
+            <a:endParaRPr lang="en-US" b="0" i="0" dirty="0">
+              <a:solidFill>
+                <a:srgbClr val="212529"/>
+              </a:solidFill>
+              <a:effectLst/>
+              <a:latin typeface="-apple-system"/>
+            </a:endParaRPr>
+          </a:p>
+          <a:p>
+            <a:r>
+              <a:rPr lang="en-US" b="0" i="0" u="none" strike="noStrike" dirty="0">
+                <a:solidFill>
+                  <a:srgbClr val="0366D6"/>
+                </a:solidFill>
+                <a:effectLst/>
+                <a:latin typeface="-apple-system"/>
+                <a:hlinkClick r:id="rId3"/>
+              </a:rPr>
+              <a:t>MIMIC-IV-Note: Deidentified free-text clinical notes v2.2</a:t>
+            </a:r>
+            <a:endParaRPr lang="en-US" b="0" i="0" u="none" strike="noStrike" dirty="0">
+              <a:solidFill>
+                <a:srgbClr val="0366D6"/>
+              </a:solidFill>
+              <a:effectLst/>
+              <a:latin typeface="-apple-system"/>
+            </a:endParaRPr>
+          </a:p>
+          <a:p>
+            <a:r>
+              <a:rPr lang="en-US" dirty="0">
+                <a:hlinkClick r:id="rId4"/>
+              </a:rPr>
+              <a:t>What's new in MIMIC-IV? | MIMIC</a:t>
+            </a:r>
+            <a:endParaRPr lang="en-US" b="0" i="0" u="none" strike="noStrike" dirty="0">
+              <a:solidFill>
+                <a:srgbClr val="0366D6"/>
+              </a:solidFill>
+              <a:effectLst/>
+              <a:latin typeface="-apple-system"/>
+            </a:endParaRPr>
+          </a:p>
+          <a:p>
+            <a:r>
+              <a:rPr lang="en-US" dirty="0">
+                <a:hlinkClick r:id="rId5"/>
+              </a:rPr>
+              <a:t>A Data-Centric Approach To Generate Faithful and High Quality Patient Summaries with Large Language Models</a:t>
+            </a:r>
+            <a:endParaRPr lang="en-US" b="0" i="0" dirty="0">
+              <a:solidFill>
+                <a:srgbClr val="212529"/>
+              </a:solidFill>
+              <a:effectLst/>
+              <a:latin typeface="-apple-system"/>
+            </a:endParaRPr>
+          </a:p>
+          <a:p>
+            <a:r>
+              <a:rPr lang="en-US" dirty="0">
+                <a:hlinkClick r:id="rId6"/>
+              </a:rPr>
+              <a:t>https://github.com/stefanhgm/patient_summaries_with_llms</a:t>
+            </a:r>
+            <a:endParaRPr lang="en-US" dirty="0"/>
+          </a:p>
+          <a:p>
+            <a:r>
+              <a:rPr lang="en-US" dirty="0">
+                <a:hlinkClick r:id="rId7"/>
+              </a:rPr>
+              <a:t>https://physionet.org/content/ann-pt-summ/get-zip/1.0.0/</a:t>
+            </a:r>
+            <a:endParaRPr lang="en-US" dirty="0"/>
+          </a:p>
+          <a:p>
+            <a:endParaRPr lang="en-US" dirty="0"/>
           </a:p>
           <a:p>
             <a:endParaRPr lang="en-US" dirty="0"/>
@@ -3521,7 +3773,7 @@
     </p:spTree>
     <p:extLst>
       <p:ext uri="{BB962C8B-B14F-4D97-AF65-F5344CB8AC3E}">
-        <p14:creationId xmlns:p14="http://schemas.microsoft.com/office/powerpoint/2010/main" val="1972526620"/>
+        <p14:creationId xmlns:p14="http://schemas.microsoft.com/office/powerpoint/2010/main" val="82295588"/>
       </p:ext>
     </p:extLst>
   </p:cSld>
@@ -7298,180 +7550,6 @@
 <file path=ppt/slides/slide4.xml><?xml version="1.0" encoding="utf-8"?>
 <p:sld xmlns:a="http://schemas.openxmlformats.org/drawingml/2006/main" xmlns:r="http://schemas.openxmlformats.org/officeDocument/2006/relationships" xmlns:p="http://schemas.openxmlformats.org/presentationml/2006/main">
   <p:cSld>
-    <p:spTree>
-      <p:nvGrpSpPr>
-        <p:cNvPr id="1" name=""/>
-        <p:cNvGrpSpPr/>
-        <p:nvPr/>
-      </p:nvGrpSpPr>
-      <p:grpSpPr>
-        <a:xfrm>
-          <a:off x="0" y="0"/>
-          <a:ext cx="0" cy="0"/>
-          <a:chOff x="0" y="0"/>
-          <a:chExt cx="0" cy="0"/>
-        </a:xfrm>
-      </p:grpSpPr>
-      <p:sp>
-        <p:nvSpPr>
-          <p:cNvPr id="2" name="Title 1">
-            <a:extLst>
-              <a:ext uri="{FF2B5EF4-FFF2-40B4-BE49-F238E27FC236}">
-                <a16:creationId xmlns:a16="http://schemas.microsoft.com/office/drawing/2014/main" id="{A211019E-2C41-1E25-ECA3-704F4C51C613}"/>
-              </a:ext>
-            </a:extLst>
-          </p:cNvPr>
-          <p:cNvSpPr>
-            <a:spLocks noGrp="1"/>
-          </p:cNvSpPr>
-          <p:nvPr>
-            <p:ph type="title"/>
-          </p:nvPr>
-        </p:nvSpPr>
-        <p:spPr/>
-        <p:txBody>
-          <a:bodyPr/>
-          <a:lstStyle/>
-          <a:p>
-            <a:r>
-              <a:rPr lang="en-US" dirty="0"/>
-              <a:t>References and Datasets</a:t>
-            </a:r>
-          </a:p>
-        </p:txBody>
-      </p:sp>
-      <p:sp>
-        <p:nvSpPr>
-          <p:cNvPr id="3" name="Content Placeholder 2">
-            <a:extLst>
-              <a:ext uri="{FF2B5EF4-FFF2-40B4-BE49-F238E27FC236}">
-                <a16:creationId xmlns:a16="http://schemas.microsoft.com/office/drawing/2014/main" id="{4FBB956C-A82C-AFBD-A734-482034475DE8}"/>
-              </a:ext>
-            </a:extLst>
-          </p:cNvPr>
-          <p:cNvSpPr>
-            <a:spLocks noGrp="1"/>
-          </p:cNvSpPr>
-          <p:nvPr>
-            <p:ph idx="1"/>
-          </p:nvPr>
-        </p:nvSpPr>
-        <p:spPr/>
-        <p:txBody>
-          <a:bodyPr/>
-          <a:lstStyle/>
-          <a:p>
-            <a:r>
-              <a:rPr lang="en-US" b="0" i="0" dirty="0">
-                <a:solidFill>
-                  <a:srgbClr val="212529"/>
-                </a:solidFill>
-                <a:effectLst/>
-                <a:latin typeface="-apple-system"/>
-                <a:hlinkClick r:id="rId2"/>
-              </a:rPr>
-              <a:t>Medical Expert Annotations of Unsupported Facts in Doctor-Written and LLM-Generated Patient Summaries</a:t>
-            </a:r>
-            <a:endParaRPr lang="en-US" b="0" i="0" dirty="0">
-              <a:solidFill>
-                <a:srgbClr val="212529"/>
-              </a:solidFill>
-              <a:effectLst/>
-              <a:latin typeface="-apple-system"/>
-            </a:endParaRPr>
-          </a:p>
-          <a:p>
-            <a:r>
-              <a:rPr lang="en-US" b="0" i="0" u="none" strike="noStrike" dirty="0">
-                <a:solidFill>
-                  <a:srgbClr val="0366D6"/>
-                </a:solidFill>
-                <a:effectLst/>
-                <a:latin typeface="-apple-system"/>
-                <a:hlinkClick r:id="rId3"/>
-              </a:rPr>
-              <a:t>MIMIC-IV-Note: Deidentified free-text clinical notes v2.2</a:t>
-            </a:r>
-            <a:endParaRPr lang="en-US" b="0" i="0" u="none" strike="noStrike" dirty="0">
-              <a:solidFill>
-                <a:srgbClr val="0366D6"/>
-              </a:solidFill>
-              <a:effectLst/>
-              <a:latin typeface="-apple-system"/>
-            </a:endParaRPr>
-          </a:p>
-          <a:p>
-            <a:r>
-              <a:rPr lang="en-US" dirty="0">
-                <a:hlinkClick r:id="rId4"/>
-              </a:rPr>
-              <a:t>What's new in MIMIC-IV? | MIMIC</a:t>
-            </a:r>
-            <a:endParaRPr lang="en-US" b="0" i="0" u="none" strike="noStrike" dirty="0">
-              <a:solidFill>
-                <a:srgbClr val="0366D6"/>
-              </a:solidFill>
-              <a:effectLst/>
-              <a:latin typeface="-apple-system"/>
-            </a:endParaRPr>
-          </a:p>
-          <a:p>
-            <a:r>
-              <a:rPr lang="en-US" dirty="0">
-                <a:hlinkClick r:id="rId5"/>
-              </a:rPr>
-              <a:t>A Data-Centric Approach To Generate Faithful and High Quality Patient Summaries with Large Language Models</a:t>
-            </a:r>
-            <a:endParaRPr lang="en-US" b="0" i="0" dirty="0">
-              <a:solidFill>
-                <a:srgbClr val="212529"/>
-              </a:solidFill>
-              <a:effectLst/>
-              <a:latin typeface="-apple-system"/>
-            </a:endParaRPr>
-          </a:p>
-          <a:p>
-            <a:r>
-              <a:rPr lang="en-US" dirty="0">
-                <a:hlinkClick r:id="rId6"/>
-              </a:rPr>
-              <a:t>https://github.com/stefanhgm/patient_summaries_with_llms</a:t>
-            </a:r>
-            <a:endParaRPr lang="en-US" dirty="0"/>
-          </a:p>
-          <a:p>
-            <a:r>
-              <a:rPr lang="en-US" dirty="0">
-                <a:hlinkClick r:id="rId7"/>
-              </a:rPr>
-              <a:t>https://physionet.org/content/ann-pt-summ/get-zip/1.0.0/</a:t>
-            </a:r>
-            <a:endParaRPr lang="en-US" dirty="0"/>
-          </a:p>
-          <a:p>
-            <a:endParaRPr lang="en-US" dirty="0"/>
-          </a:p>
-          <a:p>
-            <a:endParaRPr lang="en-US" dirty="0"/>
-          </a:p>
-        </p:txBody>
-      </p:sp>
-    </p:spTree>
-    <p:extLst>
-      <p:ext uri="{BB962C8B-B14F-4D97-AF65-F5344CB8AC3E}">
-        <p14:creationId xmlns:p14="http://schemas.microsoft.com/office/powerpoint/2010/main" val="82295588"/>
-      </p:ext>
-    </p:extLst>
-  </p:cSld>
-  <p:clrMapOvr>
-    <a:masterClrMapping/>
-  </p:clrMapOvr>
-</p:sld>
-</file>
-
-<file path=ppt/slides/slide5.xml><?xml version="1.0" encoding="utf-8"?>
-<p:sld xmlns:a="http://schemas.openxmlformats.org/drawingml/2006/main" xmlns:r="http://schemas.openxmlformats.org/officeDocument/2006/relationships" xmlns:p="http://schemas.openxmlformats.org/presentationml/2006/main">
-  <p:cSld>
     <p:bg>
       <p:bgPr>
         <a:solidFill>
@@ -8069,7 +8147,7 @@
 </p:sld>
 </file>
 
-<file path=ppt/slides/slide6.xml><?xml version="1.0" encoding="utf-8"?>
+<file path=ppt/slides/slide5.xml><?xml version="1.0" encoding="utf-8"?>
 <p:sld xmlns:a="http://schemas.openxmlformats.org/drawingml/2006/main" xmlns:r="http://schemas.openxmlformats.org/officeDocument/2006/relationships" xmlns:p="http://schemas.openxmlformats.org/presentationml/2006/main">
   <p:cSld>
     <p:spTree>
@@ -8132,10 +8210,109 @@
         </p:nvSpPr>
         <p:spPr/>
         <p:txBody>
-          <a:bodyPr/>
+          <a:bodyPr vert="horz" lIns="91440" tIns="45720" rIns="91440" bIns="45720" rtlCol="0" anchor="t">
+            <a:normAutofit fontScale="92500"/>
+          </a:bodyPr>
           <a:lstStyle/>
           <a:p>
-            <a:endParaRPr lang="en-US"/>
+            <a:r>
+              <a:rPr lang="en-US" dirty="0"/>
+              <a:t>5 different models trained by authors</a:t>
+            </a:r>
+          </a:p>
+          <a:p>
+            <a:pPr lvl="1">
+              <a:buFont typeface="Courier New,monospace" panose="020B0604020202020204" pitchFamily="34" charset="0"/>
+              <a:buChar char="o"/>
+            </a:pPr>
+            <a:r>
+              <a:rPr lang="en-US" dirty="0"/>
+              <a:t>LED-Base &amp; LED-Large (fine-tuned on ~80k examples)</a:t>
+            </a:r>
+          </a:p>
+          <a:p>
+            <a:pPr lvl="2">
+              <a:buFont typeface="Wingdings,Sans-Serif" panose="020B0604020202020204" pitchFamily="34" charset="0"/>
+              <a:buChar char="§"/>
+            </a:pPr>
+            <a:r>
+              <a:rPr lang="en-US" dirty="0"/>
+              <a:t>Runtime: </a:t>
+            </a:r>
+            <a:r>
+              <a:rPr lang="en-US" dirty="0">
+                <a:ea typeface="+mn-lt"/>
+                <a:cs typeface="+mn-lt"/>
+              </a:rPr>
+              <a:t>Training time took 8 hours on a 24GB GPU (LED-Base) and 20 hours on a 24GB GPU (LED-Large).</a:t>
+            </a:r>
+            <a:endParaRPr lang="en-US" dirty="0"/>
+          </a:p>
+          <a:p>
+            <a:pPr lvl="1">
+              <a:buFont typeface="Courier New,monospace" panose="020B0604020202020204" pitchFamily="34" charset="0"/>
+              <a:buChar char="o"/>
+            </a:pPr>
+            <a:r>
+              <a:rPr lang="en-US" dirty="0" err="1"/>
+              <a:t>LLama</a:t>
+            </a:r>
+            <a:r>
+              <a:rPr lang="en-US" dirty="0"/>
+              <a:t> 2 7B and 70B (</a:t>
+            </a:r>
+            <a:r>
+              <a:rPr lang="en-US" dirty="0" err="1"/>
+              <a:t>LoRA</a:t>
+            </a:r>
+            <a:r>
+              <a:rPr lang="en-US" dirty="0"/>
+              <a:t> fine-tuning on 100 examples)</a:t>
+            </a:r>
+          </a:p>
+          <a:p>
+            <a:pPr lvl="2">
+              <a:buFont typeface="Wingdings,Sans-Serif" panose="020B0604020202020204" pitchFamily="34" charset="0"/>
+              <a:buChar char="§"/>
+            </a:pPr>
+            <a:r>
+              <a:rPr lang="en-US" dirty="0"/>
+              <a:t>Runtime: </a:t>
+            </a:r>
+            <a:r>
+              <a:rPr lang="en-US" dirty="0">
+                <a:ea typeface="+mn-lt"/>
+                <a:cs typeface="+mn-lt"/>
+              </a:rPr>
+              <a:t>Training time took 1.5 hours on a single 24GB GPU (7B) and 8 hours on two 80GB GPUs while utilizing 8-bit quantization (70B).</a:t>
+            </a:r>
+            <a:endParaRPr lang="en-US" dirty="0"/>
+          </a:p>
+          <a:p>
+            <a:pPr lvl="1">
+              <a:buFont typeface="Courier New,monospace" panose="020B0604020202020204" pitchFamily="34" charset="0"/>
+              <a:buChar char="o"/>
+            </a:pPr>
+            <a:r>
+              <a:rPr lang="en-US" dirty="0"/>
+              <a:t>GPT-4 (not actually trained, but evaluated using three different model versions)</a:t>
+            </a:r>
+          </a:p>
+          <a:p>
+            <a:pPr lvl="2">
+              <a:buFont typeface="Wingdings,Sans-Serif" panose="020B0604020202020204" pitchFamily="34" charset="0"/>
+              <a:buChar char="§"/>
+            </a:pPr>
+            <a:r>
+              <a:rPr lang="en-US" dirty="0"/>
+              <a:t>Evaluated on three different prompt instructions, and two variations supplying no in-context examples (0-shot) and five in-context examples (5-shot) which performed quantitatively better</a:t>
+            </a:r>
+          </a:p>
+          <a:p>
+            <a:r>
+              <a:rPr lang="en-US" dirty="0"/>
+              <a:t>We were unable to retrain these models due to resource constraints.</a:t>
+            </a:r>
           </a:p>
         </p:txBody>
       </p:sp>
@@ -8152,7 +8329,7 @@
 </p:sld>
 </file>
 
-<file path=ppt/slides/slide7.xml><?xml version="1.0" encoding="utf-8"?>
+<file path=ppt/slides/slide6.xml><?xml version="1.0" encoding="utf-8"?>
 <p:sld xmlns:a="http://schemas.openxmlformats.org/drawingml/2006/main" xmlns:r="http://schemas.openxmlformats.org/officeDocument/2006/relationships" xmlns:p="http://schemas.openxmlformats.org/presentationml/2006/main">
   <p:cSld>
     <p:spTree>
@@ -8417,7 +8594,7 @@
 </p:sld>
 </file>
 
-<file path=ppt/slides/slide8.xml><?xml version="1.0" encoding="utf-8"?>
+<file path=ppt/slides/slide7.xml><?xml version="1.0" encoding="utf-8"?>
 <p:sld xmlns:a="http://schemas.openxmlformats.org/drawingml/2006/main" xmlns:r="http://schemas.openxmlformats.org/officeDocument/2006/relationships" xmlns:p="http://schemas.openxmlformats.org/presentationml/2006/main">
   <p:cSld>
     <p:spTree>
@@ -8565,7 +8742,7 @@
 </p:sld>
 </file>
 
-<file path=ppt/slides/slide9.xml><?xml version="1.0" encoding="utf-8"?>
+<file path=ppt/slides/slide8.xml><?xml version="1.0" encoding="utf-8"?>
 <p:sld xmlns:a="http://schemas.openxmlformats.org/drawingml/2006/main" xmlns:r="http://schemas.openxmlformats.org/officeDocument/2006/relationships" xmlns:p="http://schemas.openxmlformats.org/presentationml/2006/main">
   <p:cSld>
     <p:spTree>
@@ -9445,6 +9622,124 @@
 </p:sld>
 </file>
 
+<file path=ppt/slides/slide9.xml><?xml version="1.0" encoding="utf-8"?>
+<p:sld xmlns:a="http://schemas.openxmlformats.org/drawingml/2006/main" xmlns:r="http://schemas.openxmlformats.org/officeDocument/2006/relationships" xmlns:p="http://schemas.openxmlformats.org/presentationml/2006/main">
+  <p:cSld>
+    <p:spTree>
+      <p:nvGrpSpPr>
+        <p:cNvPr id="1" name=""/>
+        <p:cNvGrpSpPr/>
+        <p:nvPr/>
+      </p:nvGrpSpPr>
+      <p:grpSpPr>
+        <a:xfrm>
+          <a:off x="0" y="0"/>
+          <a:ext cx="0" cy="0"/>
+          <a:chOff x="0" y="0"/>
+          <a:chExt cx="0" cy="0"/>
+        </a:xfrm>
+      </p:grpSpPr>
+      <p:sp>
+        <p:nvSpPr>
+          <p:cNvPr id="2" name="Title 1">
+            <a:extLst>
+              <a:ext uri="{FF2B5EF4-FFF2-40B4-BE49-F238E27FC236}">
+                <a16:creationId xmlns:a16="http://schemas.microsoft.com/office/drawing/2014/main" id="{CF2A6D89-9807-8601-F141-2B84872B0906}"/>
+              </a:ext>
+            </a:extLst>
+          </p:cNvPr>
+          <p:cNvSpPr>
+            <a:spLocks noGrp="1"/>
+          </p:cNvSpPr>
+          <p:nvPr>
+            <p:ph type="title"/>
+          </p:nvPr>
+        </p:nvSpPr>
+        <p:spPr/>
+        <p:txBody>
+          <a:bodyPr/>
+          <a:lstStyle/>
+          <a:p>
+            <a:r>
+              <a:rPr lang="en-US" dirty="0"/>
+              <a:t>Improve Reproducibility</a:t>
+            </a:r>
+          </a:p>
+        </p:txBody>
+      </p:sp>
+      <p:sp>
+        <p:nvSpPr>
+          <p:cNvPr id="3" name="Content Placeholder 2">
+            <a:extLst>
+              <a:ext uri="{FF2B5EF4-FFF2-40B4-BE49-F238E27FC236}">
+                <a16:creationId xmlns:a16="http://schemas.microsoft.com/office/drawing/2014/main" id="{9B862D0F-9C6E-C648-1802-13CE0B3871FB}"/>
+              </a:ext>
+            </a:extLst>
+          </p:cNvPr>
+          <p:cNvSpPr>
+            <a:spLocks noGrp="1"/>
+          </p:cNvSpPr>
+          <p:nvPr>
+            <p:ph idx="1"/>
+          </p:nvPr>
+        </p:nvSpPr>
+        <p:spPr/>
+        <p:txBody>
+          <a:bodyPr/>
+          <a:lstStyle/>
+          <a:p>
+            <a:r>
+              <a:rPr lang="en-US" dirty="0"/>
+              <a:t>Lot of amazing stuff but can improve on these …</a:t>
+            </a:r>
+          </a:p>
+          <a:p>
+            <a:pPr lvl="1"/>
+            <a:r>
+              <a:rPr lang="en-US" dirty="0"/>
+              <a:t>Annotations are most important for this project, but hard to understand and reproduce. Wish we could run the annotation tool ourselves to understand better. </a:t>
+            </a:r>
+            <a:r>
+              <a:rPr lang="en-US" dirty="0" err="1"/>
+              <a:t>Medtator</a:t>
+            </a:r>
+            <a:r>
+              <a:rPr lang="en-US" dirty="0"/>
+              <a:t> tool was missing.</a:t>
+            </a:r>
+          </a:p>
+          <a:p>
+            <a:pPr lvl="1"/>
+            <a:r>
+              <a:rPr lang="en-US" dirty="0"/>
+              <a:t>Datasets can be organized better, was very hard to find references and took a long time</a:t>
+            </a:r>
+          </a:p>
+          <a:p>
+            <a:pPr lvl="1"/>
+            <a:r>
+              <a:rPr lang="en-US" dirty="0"/>
+              <a:t>Annotator paths, some xml files and some txt files mentioned, we couldn’t find it.</a:t>
+            </a:r>
+          </a:p>
+          <a:p>
+            <a:endParaRPr lang="en-US" dirty="0"/>
+          </a:p>
+        </p:txBody>
+      </p:sp>
+    </p:spTree>
+    <p:extLst>
+      <p:ext uri="{BB962C8B-B14F-4D97-AF65-F5344CB8AC3E}">
+        <p14:creationId xmlns:p14="http://schemas.microsoft.com/office/powerpoint/2010/main" val="1972526620"/>
+      </p:ext>
+    </p:extLst>
+  </p:cSld>
+  <p:clrMapOvr>
+    <a:masterClrMapping/>
+  </p:clrMapOvr>
+</p:sld>
+</file>
+
 <file path=ppt/theme/theme1.xml><?xml version="1.0" encoding="utf-8"?>
 <a:theme xmlns:a="http://schemas.openxmlformats.org/drawingml/2006/main" name="Office Theme">
   <a:themeElements>
